--- a/Embedded Controller Programming with Embedded C/Week2/HW2/UCSD-Embedded-C-Assignment-2-LL-Hsuankai-Chang.pptx
+++ b/Embedded Controller Programming with Embedded C/Week2/HW2/UCSD-Embedded-C-Assignment-2-LL-Hsuankai-Chang.pptx
@@ -271,7 +271,7 @@
           <a:p>
             <a:fld id="{6AC9AE96-56F8-4797-A734-F152289DA261}" type="datetimeFigureOut">
               <a:rPr lang="en-US" smtClean="0"/>
-              <a:t>4/6/2023</a:t>
+              <a:t>4/14/2023</a:t>
             </a:fld>
             <a:endParaRPr lang="en-US"/>
           </a:p>
@@ -469,7 +469,7 @@
           <a:p>
             <a:fld id="{6AC9AE96-56F8-4797-A734-F152289DA261}" type="datetimeFigureOut">
               <a:rPr lang="en-US" smtClean="0"/>
-              <a:t>4/6/2023</a:t>
+              <a:t>4/14/2023</a:t>
             </a:fld>
             <a:endParaRPr lang="en-US"/>
           </a:p>
@@ -677,7 +677,7 @@
           <a:p>
             <a:fld id="{6AC9AE96-56F8-4797-A734-F152289DA261}" type="datetimeFigureOut">
               <a:rPr lang="en-US" smtClean="0"/>
-              <a:t>4/6/2023</a:t>
+              <a:t>4/14/2023</a:t>
             </a:fld>
             <a:endParaRPr lang="en-US"/>
           </a:p>
@@ -875,7 +875,7 @@
           <a:p>
             <a:fld id="{6AC9AE96-56F8-4797-A734-F152289DA261}" type="datetimeFigureOut">
               <a:rPr lang="en-US" smtClean="0"/>
-              <a:t>4/6/2023</a:t>
+              <a:t>4/14/2023</a:t>
             </a:fld>
             <a:endParaRPr lang="en-US"/>
           </a:p>
@@ -1150,7 +1150,7 @@
           <a:p>
             <a:fld id="{6AC9AE96-56F8-4797-A734-F152289DA261}" type="datetimeFigureOut">
               <a:rPr lang="en-US" smtClean="0"/>
-              <a:t>4/6/2023</a:t>
+              <a:t>4/14/2023</a:t>
             </a:fld>
             <a:endParaRPr lang="en-US"/>
           </a:p>
@@ -1415,7 +1415,7 @@
           <a:p>
             <a:fld id="{6AC9AE96-56F8-4797-A734-F152289DA261}" type="datetimeFigureOut">
               <a:rPr lang="en-US" smtClean="0"/>
-              <a:t>4/6/2023</a:t>
+              <a:t>4/14/2023</a:t>
             </a:fld>
             <a:endParaRPr lang="en-US"/>
           </a:p>
@@ -1827,7 +1827,7 @@
           <a:p>
             <a:fld id="{6AC9AE96-56F8-4797-A734-F152289DA261}" type="datetimeFigureOut">
               <a:rPr lang="en-US" smtClean="0"/>
-              <a:t>4/6/2023</a:t>
+              <a:t>4/14/2023</a:t>
             </a:fld>
             <a:endParaRPr lang="en-US"/>
           </a:p>
@@ -1968,7 +1968,7 @@
           <a:p>
             <a:fld id="{6AC9AE96-56F8-4797-A734-F152289DA261}" type="datetimeFigureOut">
               <a:rPr lang="en-US" smtClean="0"/>
-              <a:t>4/6/2023</a:t>
+              <a:t>4/14/2023</a:t>
             </a:fld>
             <a:endParaRPr lang="en-US"/>
           </a:p>
@@ -2081,7 +2081,7 @@
           <a:p>
             <a:fld id="{6AC9AE96-56F8-4797-A734-F152289DA261}" type="datetimeFigureOut">
               <a:rPr lang="en-US" smtClean="0"/>
-              <a:t>4/6/2023</a:t>
+              <a:t>4/14/2023</a:t>
             </a:fld>
             <a:endParaRPr lang="en-US"/>
           </a:p>
@@ -2392,7 +2392,7 @@
           <a:p>
             <a:fld id="{6AC9AE96-56F8-4797-A734-F152289DA261}" type="datetimeFigureOut">
               <a:rPr lang="en-US" smtClean="0"/>
-              <a:t>4/6/2023</a:t>
+              <a:t>4/14/2023</a:t>
             </a:fld>
             <a:endParaRPr lang="en-US"/>
           </a:p>
@@ -2680,7 +2680,7 @@
           <a:p>
             <a:fld id="{6AC9AE96-56F8-4797-A734-F152289DA261}" type="datetimeFigureOut">
               <a:rPr lang="en-US" smtClean="0"/>
-              <a:t>4/6/2023</a:t>
+              <a:t>4/14/2023</a:t>
             </a:fld>
             <a:endParaRPr lang="en-US"/>
           </a:p>
@@ -2921,7 +2921,7 @@
           <a:p>
             <a:fld id="{6AC9AE96-56F8-4797-A734-F152289DA261}" type="datetimeFigureOut">
               <a:rPr lang="en-US" smtClean="0"/>
-              <a:t>4/6/2023</a:t>
+              <a:t>4/14/2023</a:t>
             </a:fld>
             <a:endParaRPr lang="en-US"/>
           </a:p>
@@ -3360,8 +3360,12 @@
           <a:lstStyle/>
           <a:p>
             <a:r>
+              <a:rPr lang="en-US"/>
+              <a:t>UCSD </a:t>
+            </a:r>
+            <a:r>
               <a:rPr lang="en-US" dirty="0"/>
-              <a:t>USCD Embedded C Assignment 2 </a:t>
+              <a:t>Embedded C Assignment 2 </a:t>
             </a:r>
           </a:p>
         </p:txBody>
